--- a/PPTs/SIH1401 Desise Identification.pptx
+++ b/PPTs/SIH1401 Desise Identification.pptx
@@ -24376,9 +24376,21 @@
               <a:t>PS Code: </a:t>
             </a:r>
             <a:r>
-              <a:rPr lang="en-IN" b="0" i="0" dirty="0">
+              <a:rPr lang="en-US" dirty="0">
                 <a:solidFill>
-                  <a:srgbClr val="212529"/>
+                  <a:schemeClr val="tx1"/>
+                </a:solidFill>
+                <a:latin typeface="+mj-lt"/>
+                <a:ea typeface="Franklin Gothic"/>
+                <a:cs typeface="Franklin Gothic"/>
+                <a:sym typeface="Franklin Gothic"/>
+              </a:rPr>
+              <a:t>SIH</a:t>
+            </a:r>
+            <a:r>
+              <a:rPr lang="en-IN" b="1" i="0" dirty="0">
+                <a:solidFill>
+                  <a:schemeClr val="tx1"/>
                 </a:solidFill>
                 <a:effectLst/>
                 <a:latin typeface="Tahoma" panose="020B0604030504040204" pitchFamily="34" charset="0"/>
@@ -24488,7 +24500,7 @@
                 <a:cs typeface="Franklin Gothic"/>
                 <a:sym typeface="Franklin Gothic"/>
               </a:rPr>
-              <a:t>Growth Guards</a:t>
+              <a:t>GrowGuards</a:t>
             </a:r>
             <a:br>
               <a:rPr lang="en-IN" dirty="0">
@@ -30799,65 +30811,10 @@
               <a:buSzPts val="1200"/>
               <a:buNone/>
             </a:pPr>
-            <a:r>
-              <a:rPr lang="en-US" sz="1200" b="1" dirty="0">
-                <a:solidFill>
-                  <a:srgbClr val="804160"/>
-                </a:solidFill>
-                <a:latin typeface="Tahoma" panose="020B0604030504040204" pitchFamily="34" charset="0"/>
-                <a:ea typeface="Tahoma" panose="020B0604030504040204" pitchFamily="34" charset="0"/>
-                <a:cs typeface="Tahoma" panose="020B0604030504040204" pitchFamily="34" charset="0"/>
-              </a:rPr>
-              <a:t>Team Mentor 1 Name: Type Your Name Here</a:t>
-            </a:r>
-            <a:endParaRPr dirty="0">
-              <a:latin typeface="Tahoma" panose="020B0604030504040204" pitchFamily="34" charset="0"/>
-              <a:ea typeface="Tahoma" panose="020B0604030504040204" pitchFamily="34" charset="0"/>
-              <a:cs typeface="Tahoma" panose="020B0604030504040204" pitchFamily="34" charset="0"/>
-            </a:endParaRPr>
-          </a:p>
-          <a:p>
-            <a:pPr marL="0" lvl="0" indent="0" algn="l" rtl="0">
-              <a:lnSpc>
-                <a:spcPct val="90000"/>
-              </a:lnSpc>
-              <a:spcBef>
-                <a:spcPts val="1000"/>
-              </a:spcBef>
-              <a:spcAft>
-                <a:spcPts val="0"/>
-              </a:spcAft>
-              <a:buClr>
-                <a:schemeClr val="dk1"/>
-              </a:buClr>
-              <a:buSzPts val="1200"/>
-              <a:buNone/>
-            </a:pPr>
-            <a:r>
-              <a:rPr lang="en-US" sz="1200" dirty="0">
-                <a:latin typeface="Tahoma" panose="020B0604030504040204" pitchFamily="34" charset="0"/>
-                <a:ea typeface="Tahoma" panose="020B0604030504040204" pitchFamily="34" charset="0"/>
-                <a:cs typeface="Tahoma" panose="020B0604030504040204" pitchFamily="34" charset="0"/>
-              </a:rPr>
-              <a:t>Category (Academic/Industry): 			Expertise (AI/ML/Blockchain </a:t>
-            </a:r>
-            <a:r>
-              <a:rPr lang="en-US" sz="1200" dirty="0" err="1">
-                <a:latin typeface="Tahoma" panose="020B0604030504040204" pitchFamily="34" charset="0"/>
-                <a:ea typeface="Tahoma" panose="020B0604030504040204" pitchFamily="34" charset="0"/>
-                <a:cs typeface="Tahoma" panose="020B0604030504040204" pitchFamily="34" charset="0"/>
-              </a:rPr>
-              <a:t>etc</a:t>
-            </a:r>
-            <a:r>
-              <a:rPr lang="en-US" sz="1200" dirty="0">
-                <a:latin typeface="Tahoma" panose="020B0604030504040204" pitchFamily="34" charset="0"/>
-                <a:ea typeface="Tahoma" panose="020B0604030504040204" pitchFamily="34" charset="0"/>
-                <a:cs typeface="Tahoma" panose="020B0604030504040204" pitchFamily="34" charset="0"/>
-              </a:rPr>
-              <a:t>): 		Domain Experience (in years):    </a:t>
-            </a:r>
-            <a:endParaRPr dirty="0">
+            <a:endParaRPr lang="en-US" sz="1200" b="1" dirty="0">
+              <a:solidFill>
+                <a:srgbClr val="804160"/>
+              </a:solidFill>
               <a:latin typeface="Tahoma" panose="020B0604030504040204" pitchFamily="34" charset="0"/>
               <a:ea typeface="Tahoma" panose="020B0604030504040204" pitchFamily="34" charset="0"/>
               <a:cs typeface="Tahoma" panose="020B0604030504040204" pitchFamily="34" charset="0"/>
@@ -30889,9 +30846,23 @@
                 <a:ea typeface="Tahoma" panose="020B0604030504040204" pitchFamily="34" charset="0"/>
                 <a:cs typeface="Tahoma" panose="020B0604030504040204" pitchFamily="34" charset="0"/>
               </a:rPr>
-              <a:t>Team Mentor 2 Name: Type Your Name Here</a:t>
+              <a:t>Team Mentor 1 Name: </a:t>
+            </a:r>
+            <a:r>
+              <a:rPr lang="en-US" sz="1200" b="1" dirty="0">
+                <a:solidFill>
+                  <a:schemeClr val="tx1"/>
+                </a:solidFill>
+                <a:latin typeface="Tahoma" panose="020B0604030504040204" pitchFamily="34" charset="0"/>
+                <a:ea typeface="Tahoma" panose="020B0604030504040204" pitchFamily="34" charset="0"/>
+                <a:cs typeface="Tahoma" panose="020B0604030504040204" pitchFamily="34" charset="0"/>
+              </a:rPr>
+              <a:t>PROF. RACHANA CHAUDHARI</a:t>
             </a:r>
             <a:endParaRPr dirty="0">
+              <a:solidFill>
+                <a:schemeClr val="tx1"/>
+              </a:solidFill>
               <a:latin typeface="Tahoma" panose="020B0604030504040204" pitchFamily="34" charset="0"/>
               <a:ea typeface="Tahoma" panose="020B0604030504040204" pitchFamily="34" charset="0"/>
               <a:cs typeface="Tahoma" panose="020B0604030504040204" pitchFamily="34" charset="0"/>
@@ -30920,15 +30891,15 @@
                 <a:ea typeface="Tahoma" panose="020B0604030504040204" pitchFamily="34" charset="0"/>
                 <a:cs typeface="Tahoma" panose="020B0604030504040204" pitchFamily="34" charset="0"/>
               </a:rPr>
-              <a:t>Category (Academic/Industry):		 	Expertise (AI/ML/Blockchain </a:t>
+              <a:t>Category : </a:t>
             </a:r>
             <a:r>
-              <a:rPr lang="en-US" sz="1200" dirty="0" err="1">
+              <a:rPr lang="en-US" sz="1200" b="1" dirty="0">
                 <a:latin typeface="Tahoma" panose="020B0604030504040204" pitchFamily="34" charset="0"/>
                 <a:ea typeface="Tahoma" panose="020B0604030504040204" pitchFamily="34" charset="0"/>
                 <a:cs typeface="Tahoma" panose="020B0604030504040204" pitchFamily="34" charset="0"/>
               </a:rPr>
-              <a:t>etc</a:t>
+              <a:t>Academic</a:t>
             </a:r>
             <a:r>
               <a:rPr lang="en-US" sz="1200" dirty="0">
@@ -30936,7 +30907,42 @@
                 <a:ea typeface="Tahoma" panose="020B0604030504040204" pitchFamily="34" charset="0"/>
                 <a:cs typeface="Tahoma" panose="020B0604030504040204" pitchFamily="34" charset="0"/>
               </a:rPr>
-              <a:t>): 		Domain Experience (in years):    </a:t>
+              <a:t>				Expertise: </a:t>
+            </a:r>
+            <a:r>
+              <a:rPr lang="en-US" sz="1200" b="1" dirty="0">
+                <a:solidFill>
+                  <a:schemeClr val="tx1"/>
+                </a:solidFill>
+                <a:latin typeface="Tahoma" panose="020B0604030504040204" pitchFamily="34" charset="0"/>
+                <a:ea typeface="Tahoma" panose="020B0604030504040204" pitchFamily="34" charset="0"/>
+                <a:cs typeface="Tahoma" panose="020B0604030504040204" pitchFamily="34" charset="0"/>
+              </a:rPr>
+              <a:t>Web and Mobile Development</a:t>
+            </a:r>
+            <a:r>
+              <a:rPr lang="en-US" sz="1200" dirty="0">
+                <a:latin typeface="Tahoma" panose="020B0604030504040204" pitchFamily="34" charset="0"/>
+                <a:ea typeface="Tahoma" panose="020B0604030504040204" pitchFamily="34" charset="0"/>
+                <a:cs typeface="Tahoma" panose="020B0604030504040204" pitchFamily="34" charset="0"/>
+              </a:rPr>
+              <a:t>	Domain Experience (in years): </a:t>
+            </a:r>
+            <a:r>
+              <a:rPr lang="en-US" sz="1200" b="1" dirty="0">
+                <a:latin typeface="Tahoma" panose="020B0604030504040204" pitchFamily="34" charset="0"/>
+                <a:ea typeface="Tahoma" panose="020B0604030504040204" pitchFamily="34" charset="0"/>
+                <a:cs typeface="Tahoma" panose="020B0604030504040204" pitchFamily="34" charset="0"/>
+              </a:rPr>
+              <a:t>9</a:t>
+            </a:r>
+            <a:r>
+              <a:rPr lang="en-US" sz="1200" dirty="0">
+                <a:latin typeface="Tahoma" panose="020B0604030504040204" pitchFamily="34" charset="0"/>
+                <a:ea typeface="Tahoma" panose="020B0604030504040204" pitchFamily="34" charset="0"/>
+                <a:cs typeface="Tahoma" panose="020B0604030504040204" pitchFamily="34" charset="0"/>
+              </a:rPr>
+              <a:t>   </a:t>
             </a:r>
             <a:endParaRPr dirty="0">
               <a:latin typeface="Tahoma" panose="020B0604030504040204" pitchFamily="34" charset="0"/>
